--- a/docs/diagrams/MajorDescriptionClassDiagram.pptx
+++ b/docs/diagrams/MajorDescriptionClassDiagram.pptx
@@ -104,6 +104,11 @@
       </a:defRPr>
     </a:lvl9pPr>
   </p:defaultTextStyle>
+  <p:extLst>
+    <p:ext uri="{EFAFB233-063F-42B5-8137-9DF3F51BA10A}">
+      <p15:sldGuideLst xmlns:p15="http://schemas.microsoft.com/office/powerpoint/2012/main"/>
+    </p:ext>
+  </p:extLst>
 </p:presentation>
 </file>
 
@@ -3475,7 +3480,7 @@
         </p:nvSpPr>
         <p:spPr>
           <a:xfrm>
-            <a:off x="3397821" y="1739550"/>
+            <a:off x="3397821" y="1843868"/>
             <a:ext cx="2572283" cy="600164"/>
           </a:xfrm>
           <a:prstGeom prst="rect">
@@ -3781,7 +3786,7 @@
         </p:nvSpPr>
         <p:spPr>
           <a:xfrm>
-            <a:off x="3597961" y="4064237"/>
+            <a:off x="3585049" y="4183785"/>
             <a:ext cx="2988370" cy="600164"/>
           </a:xfrm>
           <a:prstGeom prst="rect">
@@ -4511,6 +4516,100 @@
               <a:rPr lang="en-MY" sz="1200" dirty="0"/>
               <a:t>1</a:t>
             </a:r>
+          </a:p>
+        </p:txBody>
+      </p:sp>
+      <p:sp>
+        <p:nvSpPr>
+          <p:cNvPr id="2" name="Rectangle 1">
+            <a:extLst>
+              <a:ext uri="{FF2B5EF4-FFF2-40B4-BE49-F238E27FC236}">
+                <a16:creationId xmlns:a16="http://schemas.microsoft.com/office/drawing/2014/main" id="{D4222DD1-6DD7-4DE1-9631-650352C8A134}"/>
+              </a:ext>
+            </a:extLst>
+          </p:cNvPr>
+          <p:cNvSpPr/>
+          <p:nvPr/>
+        </p:nvSpPr>
+        <p:spPr>
+          <a:xfrm>
+            <a:off x="3397820" y="1452610"/>
+            <a:ext cx="2572282" cy="391257"/>
+          </a:xfrm>
+          <a:prstGeom prst="rect">
+            <a:avLst/>
+          </a:prstGeom>
+          <a:noFill/>
+        </p:spPr>
+        <p:style>
+          <a:lnRef idx="2">
+            <a:schemeClr val="accent1">
+              <a:shade val="50000"/>
+            </a:schemeClr>
+          </a:lnRef>
+          <a:fillRef idx="1">
+            <a:schemeClr val="accent1"/>
+          </a:fillRef>
+          <a:effectRef idx="0">
+            <a:schemeClr val="accent1"/>
+          </a:effectRef>
+          <a:fontRef idx="minor">
+            <a:schemeClr val="lt1"/>
+          </a:fontRef>
+        </p:style>
+        <p:txBody>
+          <a:bodyPr rtlCol="0" anchor="ctr"/>
+          <a:lstStyle/>
+          <a:p>
+            <a:pPr algn="ctr"/>
+            <a:endParaRPr lang="en-MY"/>
+          </a:p>
+        </p:txBody>
+      </p:sp>
+      <p:sp>
+        <p:nvSpPr>
+          <p:cNvPr id="28" name="Rectangle 27">
+            <a:extLst>
+              <a:ext uri="{FF2B5EF4-FFF2-40B4-BE49-F238E27FC236}">
+                <a16:creationId xmlns:a16="http://schemas.microsoft.com/office/drawing/2014/main" id="{F060F32A-F47C-4D8D-BCDD-E4D94EFA7BE6}"/>
+              </a:ext>
+            </a:extLst>
+          </p:cNvPr>
+          <p:cNvSpPr/>
+          <p:nvPr/>
+        </p:nvSpPr>
+        <p:spPr>
+          <a:xfrm>
+            <a:off x="3597960" y="3887313"/>
+            <a:ext cx="2964349" cy="317290"/>
+          </a:xfrm>
+          <a:prstGeom prst="rect">
+            <a:avLst/>
+          </a:prstGeom>
+          <a:noFill/>
+        </p:spPr>
+        <p:style>
+          <a:lnRef idx="2">
+            <a:schemeClr val="accent1">
+              <a:shade val="50000"/>
+            </a:schemeClr>
+          </a:lnRef>
+          <a:fillRef idx="1">
+            <a:schemeClr val="accent1"/>
+          </a:fillRef>
+          <a:effectRef idx="0">
+            <a:schemeClr val="accent1"/>
+          </a:effectRef>
+          <a:fontRef idx="minor">
+            <a:schemeClr val="lt1"/>
+          </a:fontRef>
+        </p:style>
+        <p:txBody>
+          <a:bodyPr rtlCol="0" anchor="ctr"/>
+          <a:lstStyle/>
+          <a:p>
+            <a:pPr algn="ctr"/>
+            <a:endParaRPr lang="en-MY"/>
           </a:p>
         </p:txBody>
       </p:sp>
